--- a/docs/energy-manu-visual.pptx
+++ b/docs/energy-manu-visual.pptx
@@ -106,6 +106,11 @@
       </a:defRPr>
     </a:lvl9pPr>
   </p:defaultTextStyle>
+  <p:extLst>
+    <p:ext uri="{EFAFB233-063F-42B5-8137-9DF3F51BA10A}">
+      <p15:sldGuideLst xmlns:p15="http://schemas.microsoft.com/office/powerpoint/2012/main"/>
+    </p:ext>
+  </p:extLst>
 </p:presentation>
 </file>
 
@@ -256,7 +261,7 @@
           <a:p>
             <a:fld id="{1AAE07A1-E69B-42AE-A759-CE64853AE4B3}" type="datetimeFigureOut">
               <a:rPr lang="en-US" smtClean="0"/>
-              <a:t>3/21/2023</a:t>
+              <a:t>3/22/2023</a:t>
             </a:fld>
             <a:endParaRPr lang="en-US"/>
           </a:p>
@@ -454,7 +459,7 @@
           <a:p>
             <a:fld id="{1AAE07A1-E69B-42AE-A759-CE64853AE4B3}" type="datetimeFigureOut">
               <a:rPr lang="en-US" smtClean="0"/>
-              <a:t>3/21/2023</a:t>
+              <a:t>3/22/2023</a:t>
             </a:fld>
             <a:endParaRPr lang="en-US"/>
           </a:p>
@@ -662,7 +667,7 @@
           <a:p>
             <a:fld id="{1AAE07A1-E69B-42AE-A759-CE64853AE4B3}" type="datetimeFigureOut">
               <a:rPr lang="en-US" smtClean="0"/>
-              <a:t>3/21/2023</a:t>
+              <a:t>3/22/2023</a:t>
             </a:fld>
             <a:endParaRPr lang="en-US"/>
           </a:p>
@@ -860,7 +865,7 @@
           <a:p>
             <a:fld id="{1AAE07A1-E69B-42AE-A759-CE64853AE4B3}" type="datetimeFigureOut">
               <a:rPr lang="en-US" smtClean="0"/>
-              <a:t>3/21/2023</a:t>
+              <a:t>3/22/2023</a:t>
             </a:fld>
             <a:endParaRPr lang="en-US"/>
           </a:p>
@@ -1135,7 +1140,7 @@
           <a:p>
             <a:fld id="{1AAE07A1-E69B-42AE-A759-CE64853AE4B3}" type="datetimeFigureOut">
               <a:rPr lang="en-US" smtClean="0"/>
-              <a:t>3/21/2023</a:t>
+              <a:t>3/22/2023</a:t>
             </a:fld>
             <a:endParaRPr lang="en-US"/>
           </a:p>
@@ -1400,7 +1405,7 @@
           <a:p>
             <a:fld id="{1AAE07A1-E69B-42AE-A759-CE64853AE4B3}" type="datetimeFigureOut">
               <a:rPr lang="en-US" smtClean="0"/>
-              <a:t>3/21/2023</a:t>
+              <a:t>3/22/2023</a:t>
             </a:fld>
             <a:endParaRPr lang="en-US"/>
           </a:p>
@@ -1812,7 +1817,7 @@
           <a:p>
             <a:fld id="{1AAE07A1-E69B-42AE-A759-CE64853AE4B3}" type="datetimeFigureOut">
               <a:rPr lang="en-US" smtClean="0"/>
-              <a:t>3/21/2023</a:t>
+              <a:t>3/22/2023</a:t>
             </a:fld>
             <a:endParaRPr lang="en-US"/>
           </a:p>
@@ -1953,7 +1958,7 @@
           <a:p>
             <a:fld id="{1AAE07A1-E69B-42AE-A759-CE64853AE4B3}" type="datetimeFigureOut">
               <a:rPr lang="en-US" smtClean="0"/>
-              <a:t>3/21/2023</a:t>
+              <a:t>3/22/2023</a:t>
             </a:fld>
             <a:endParaRPr lang="en-US"/>
           </a:p>
@@ -2066,7 +2071,7 @@
           <a:p>
             <a:fld id="{1AAE07A1-E69B-42AE-A759-CE64853AE4B3}" type="datetimeFigureOut">
               <a:rPr lang="en-US" smtClean="0"/>
-              <a:t>3/21/2023</a:t>
+              <a:t>3/22/2023</a:t>
             </a:fld>
             <a:endParaRPr lang="en-US"/>
           </a:p>
@@ -2377,7 +2382,7 @@
           <a:p>
             <a:fld id="{1AAE07A1-E69B-42AE-A759-CE64853AE4B3}" type="datetimeFigureOut">
               <a:rPr lang="en-US" smtClean="0"/>
-              <a:t>3/21/2023</a:t>
+              <a:t>3/22/2023</a:t>
             </a:fld>
             <a:endParaRPr lang="en-US"/>
           </a:p>
@@ -2665,7 +2670,7 @@
           <a:p>
             <a:fld id="{1AAE07A1-E69B-42AE-A759-CE64853AE4B3}" type="datetimeFigureOut">
               <a:rPr lang="en-US" smtClean="0"/>
-              <a:t>3/21/2023</a:t>
+              <a:t>3/22/2023</a:t>
             </a:fld>
             <a:endParaRPr lang="en-US"/>
           </a:p>
@@ -2906,7 +2911,7 @@
           <a:p>
             <a:fld id="{1AAE07A1-E69B-42AE-A759-CE64853AE4B3}" type="datetimeFigureOut">
               <a:rPr lang="en-US" smtClean="0"/>
-              <a:t>3/21/2023</a:t>
+              <a:t>3/22/2023</a:t>
             </a:fld>
             <a:endParaRPr lang="en-US"/>
           </a:p>
@@ -4275,7 +4280,7 @@
           <p:nvPr>
             <p:extLst>
               <p:ext uri="{D42A27DB-BD31-4B8C-83A1-F6EECF244321}">
-                <p14:modId xmlns:p14="http://schemas.microsoft.com/office/powerpoint/2010/main" val="1246326397"/>
+                <p14:modId xmlns:p14="http://schemas.microsoft.com/office/powerpoint/2010/main" val="3828270401"/>
               </p:ext>
             </p:extLst>
           </p:nvPr>
@@ -4471,7 +4476,7 @@
                       <a:pPr algn="ctr"/>
                       <a:r>
                         <a:rPr lang="en-US" dirty="0"/>
-                        <a:t>0.23</a:t>
+                        <a:t>0.76</a:t>
                       </a:r>
                     </a:p>
                   </a:txBody>
@@ -4485,7 +4490,7 @@
                       <a:pPr algn="ctr"/>
                       <a:r>
                         <a:rPr lang="en-US" dirty="0"/>
-                        <a:t>3.53</a:t>
+                        <a:t>4.06</a:t>
                       </a:r>
                     </a:p>
                   </a:txBody>
@@ -4534,7 +4539,7 @@
                       <a:pPr algn="ctr"/>
                       <a:r>
                         <a:rPr lang="en-US" dirty="0"/>
-                        <a:t>0.21</a:t>
+                        <a:t>0.88</a:t>
                       </a:r>
                     </a:p>
                   </a:txBody>
@@ -4548,7 +4553,7 @@
                       <a:pPr algn="ctr"/>
                       <a:r>
                         <a:rPr lang="en-US" dirty="0"/>
-                        <a:t>4.41</a:t>
+                        <a:t>5.08</a:t>
                       </a:r>
                     </a:p>
                   </a:txBody>
@@ -4597,7 +4602,7 @@
                       <a:pPr algn="ctr"/>
                       <a:r>
                         <a:rPr lang="en-US" dirty="0"/>
-                        <a:t>1.07</a:t>
+                        <a:t>1.18</a:t>
                       </a:r>
                     </a:p>
                   </a:txBody>
@@ -4610,9 +4615,10 @@
                     <a:p>
                       <a:pPr algn="ctr"/>
                       <a:r>
-                        <a:rPr lang="en-US" dirty="0"/>
-                        <a:t>2.17</a:t>
+                        <a:rPr lang="en-US"/>
+                        <a:t>2.28</a:t>
                       </a:r>
+                      <a:endParaRPr lang="en-US" dirty="0"/>
                     </a:p>
                   </a:txBody>
                   <a:tcPr anchor="ctr"/>
